--- a/MHMS/src/main/resources/files/프로젝트_중간보고_설현철(H201703193).pptx
+++ b/MHMS/src/main/resources/files/프로젝트_중간보고_설현철(H201703193).pptx
@@ -113,6 +113,11 @@
       </a:defRPr>
     </a:lvl9pPr>
   </p:defaultTextStyle>
+  <p:extLst>
+    <p:ext uri="{EFAFB233-063F-42B5-8137-9DF3F51BA10A}">
+      <p15:sldGuideLst xmlns:p15="http://schemas.microsoft.com/office/powerpoint/2012/main"/>
+    </p:ext>
+  </p:extLst>
 </p:presentation>
 </file>
 
@@ -5891,7 +5896,19 @@
             </a:r>
             <a:r>
               <a:rPr lang="ko-KR" altLang="en-US" sz="4000" dirty="0"/>
-              <a:t>완료된 항목</a:t>
+              <a:t>완료된 항목 </a:t>
+            </a:r>
+            <a:r>
+              <a:rPr lang="en-US" altLang="ko-KR" sz="4000" dirty="0"/>
+              <a:t>(</a:t>
+            </a:r>
+            <a:r>
+              <a:rPr lang="ko-KR" altLang="en-US" sz="4000" dirty="0"/>
+              <a:t>프레임 구축 위주</a:t>
+            </a:r>
+            <a:r>
+              <a:rPr lang="en-US" altLang="ko-KR" sz="4000" dirty="0"/>
+              <a:t>)</a:t>
             </a:r>
             <a:endParaRPr lang="en-US" altLang="ko-KR" sz="4000" kern="1200" dirty="0">
               <a:solidFill>
@@ -6544,16 +6561,41 @@
                 <a:ea typeface="+mj-ea"/>
                 <a:cs typeface="+mj-cs"/>
               </a:rPr>
-              <a:t>진행중 항목</a:t>
-            </a:r>
-            <a:endParaRPr lang="en-US" altLang="ko-KR" sz="4000" kern="1200" dirty="0">
-              <a:solidFill>
-                <a:schemeClr val="tx1"/>
-              </a:solidFill>
-              <a:latin typeface="+mj-lt"/>
-              <a:ea typeface="+mj-ea"/>
-              <a:cs typeface="+mj-cs"/>
-            </a:endParaRPr>
+              <a:t>진행중 항목 </a:t>
+            </a:r>
+            <a:r>
+              <a:rPr lang="en-US" altLang="ko-KR" sz="4000" kern="1200" dirty="0">
+                <a:solidFill>
+                  <a:schemeClr val="tx1"/>
+                </a:solidFill>
+                <a:latin typeface="+mj-lt"/>
+                <a:ea typeface="+mj-ea"/>
+                <a:cs typeface="+mj-cs"/>
+              </a:rPr>
+              <a:t>(</a:t>
+            </a:r>
+            <a:r>
+              <a:rPr lang="ko-KR" altLang="en-US" sz="4000" kern="1200" dirty="0">
+                <a:solidFill>
+                  <a:schemeClr val="tx1"/>
+                </a:solidFill>
+                <a:latin typeface="+mj-lt"/>
+                <a:ea typeface="+mj-ea"/>
+                <a:cs typeface="+mj-cs"/>
+              </a:rPr>
+              <a:t>화면 구축 위주</a:t>
+            </a:r>
+            <a:r>
+              <a:rPr lang="en-US" altLang="ko-KR" sz="4000" kern="1200" dirty="0">
+                <a:solidFill>
+                  <a:schemeClr val="tx1"/>
+                </a:solidFill>
+                <a:latin typeface="+mj-lt"/>
+                <a:ea typeface="+mj-ea"/>
+                <a:cs typeface="+mj-cs"/>
+              </a:rPr>
+              <a:t>)</a:t>
+            </a:r>
           </a:p>
         </p:txBody>
       </p:sp>
@@ -6649,7 +6691,7 @@
         </p:spPr>
         <p:txBody>
           <a:bodyPr vert="horz" lIns="91440" tIns="45720" rIns="91440" bIns="45720" rtlCol="0">
-            <a:normAutofit/>
+            <a:normAutofit fontScale="92500" lnSpcReduction="10000"/>
           </a:bodyPr>
           <a:lstStyle/>
           <a:p>
@@ -6660,7 +6702,7 @@
             </a:r>
             <a:r>
               <a:rPr lang="en-US" altLang="ko-KR" sz="2200" dirty="0"/>
-              <a:t>.</a:t>
+              <a:t>. </a:t>
             </a:r>
           </a:p>
           <a:p>
@@ -6671,7 +6713,7 @@
             </a:r>
             <a:r>
               <a:rPr lang="en-US" altLang="ko-KR" sz="1800" dirty="0"/>
-              <a:t>(Admin, user)</a:t>
+              <a:t>(Admin, Manager, User)</a:t>
             </a:r>
           </a:p>
           <a:p>
@@ -6701,7 +6743,7 @@
             </a:r>
             <a:r>
               <a:rPr lang="en-US" altLang="ko-KR" sz="1800" dirty="0"/>
-              <a:t>(Admin)</a:t>
+              <a:t>(Admin, Manager)</a:t>
             </a:r>
           </a:p>
           <a:p>
@@ -6743,7 +6785,7 @@
             </a:r>
             <a:r>
               <a:rPr lang="en-US" altLang="ko-KR" sz="1800" dirty="0"/>
-              <a:t>(Admin)</a:t>
+              <a:t>(Manager)</a:t>
             </a:r>
           </a:p>
           <a:p>
@@ -6754,11 +6796,49 @@
             </a:r>
             <a:r>
               <a:rPr lang="en-US" altLang="ko-KR" sz="1800" dirty="0"/>
+              <a:t>(Admin)</a:t>
+            </a:r>
+          </a:p>
+          <a:p>
+            <a:pPr lvl="1" latinLnBrk="0"/>
+            <a:r>
+              <a:rPr lang="ko-KR" altLang="en-US" sz="1800" dirty="0"/>
+              <a:t>권한 관리</a:t>
+            </a:r>
+            <a:r>
+              <a:rPr lang="en-US" altLang="ko-KR" sz="1800" dirty="0"/>
+              <a:t>(Admin)</a:t>
+            </a:r>
+          </a:p>
+          <a:p>
+            <a:pPr latinLnBrk="0"/>
+            <a:endParaRPr lang="en-US" altLang="ko-KR" sz="2200" dirty="0"/>
+          </a:p>
+          <a:p>
+            <a:pPr latinLnBrk="0"/>
+            <a:r>
+              <a:rPr lang="ko-KR" altLang="en-US" sz="2200" dirty="0"/>
+              <a:t>권한 구분</a:t>
+            </a:r>
+            <a:endParaRPr lang="en-US" altLang="ko-KR" sz="2200" dirty="0"/>
+          </a:p>
+          <a:p>
+            <a:pPr lvl="1" latinLnBrk="0"/>
+            <a:r>
+              <a:rPr lang="en-US" altLang="ko-KR" sz="1800" dirty="0"/>
+              <a:t>Admin : </a:t>
+            </a:r>
+            <a:r>
+              <a:rPr lang="ko-KR" altLang="en-US" sz="1800" dirty="0"/>
+              <a:t>시스템 관리자 </a:t>
+            </a:r>
+            <a:r>
+              <a:rPr lang="en-US" altLang="ko-KR" sz="1800" dirty="0"/>
               <a:t>(</a:t>
             </a:r>
             <a:r>
-              <a:rPr lang="en-US" altLang="ko-KR" sz="1800" dirty="0" err="1"/>
-              <a:t>SuperUser</a:t>
+              <a:rPr lang="ko-KR" altLang="en-US" sz="1800" dirty="0"/>
+              <a:t>시스템 관리자</a:t>
             </a:r>
             <a:r>
               <a:rPr lang="en-US" altLang="ko-KR" sz="1800" dirty="0"/>
@@ -6768,16 +6848,43 @@
           <a:p>
             <a:pPr lvl="1" latinLnBrk="0"/>
             <a:r>
+              <a:rPr lang="en-US" altLang="ko-KR" sz="1800" dirty="0"/>
+              <a:t>Manager : </a:t>
+            </a:r>
+            <a:r>
               <a:rPr lang="ko-KR" altLang="en-US" sz="1800" dirty="0"/>
-              <a:t>권한 관리</a:t>
+              <a:t>건축물에 대한 관리자 </a:t>
             </a:r>
             <a:r>
               <a:rPr lang="en-US" altLang="ko-KR" sz="1800" dirty="0"/>
               <a:t>(</a:t>
             </a:r>
             <a:r>
-              <a:rPr lang="en-US" altLang="ko-KR" sz="1800" dirty="0" err="1"/>
-              <a:t>SuperUser</a:t>
+              <a:rPr lang="ko-KR" altLang="en-US" sz="1800" dirty="0"/>
+              <a:t>건물 관리자</a:t>
+            </a:r>
+            <a:r>
+              <a:rPr lang="en-US" altLang="ko-KR" sz="1800" dirty="0"/>
+              <a:t>)</a:t>
+            </a:r>
+          </a:p>
+          <a:p>
+            <a:pPr lvl="1" latinLnBrk="0"/>
+            <a:r>
+              <a:rPr lang="en-US" altLang="ko-KR" sz="1800" dirty="0"/>
+              <a:t>User : </a:t>
+            </a:r>
+            <a:r>
+              <a:rPr lang="ko-KR" altLang="en-US" sz="1800" dirty="0"/>
+              <a:t>일반 사용자 </a:t>
+            </a:r>
+            <a:r>
+              <a:rPr lang="en-US" altLang="ko-KR" sz="1800" dirty="0"/>
+              <a:t>(</a:t>
+            </a:r>
+            <a:r>
+              <a:rPr lang="ko-KR" altLang="en-US" sz="1800" dirty="0"/>
+              <a:t>입주민</a:t>
             </a:r>
             <a:r>
               <a:rPr lang="en-US" altLang="ko-KR" sz="1800" dirty="0"/>
@@ -7817,305 +7924,12 @@
           </a:p>
         </p:txBody>
       </p:sp>
-      <p:pic>
-        <p:nvPicPr>
-          <p:cNvPr id="8" name="그림 7">
-            <a:extLst>
-              <a:ext uri="{FF2B5EF4-FFF2-40B4-BE49-F238E27FC236}">
-                <a16:creationId xmlns:a16="http://schemas.microsoft.com/office/drawing/2014/main" id="{E68047F2-C28B-498C-8AB8-CFE3DA95A98D}"/>
-              </a:ext>
-            </a:extLst>
-          </p:cNvPr>
-          <p:cNvPicPr>
-            <a:picLocks noChangeAspect="1"/>
-          </p:cNvPicPr>
-          <p:nvPr/>
-        </p:nvPicPr>
-        <p:blipFill rotWithShape="1">
-          <a:blip r:embed="rId2"/>
-          <a:srcRect t="4410" r="86941" b="22341"/>
-          <a:stretch/>
-        </p:blipFill>
-        <p:spPr>
-          <a:xfrm>
-            <a:off x="558209" y="2110739"/>
-            <a:ext cx="1449600" cy="4573722"/>
-          </a:xfrm>
-          <a:prstGeom prst="rect">
-            <a:avLst/>
-          </a:prstGeom>
-          <a:ln>
-            <a:solidFill>
-              <a:schemeClr val="tx1"/>
-            </a:solidFill>
-          </a:ln>
-        </p:spPr>
-      </p:pic>
-      <p:sp>
-        <p:nvSpPr>
-          <p:cNvPr id="9" name="TextBox 8">
-            <a:extLst>
-              <a:ext uri="{FF2B5EF4-FFF2-40B4-BE49-F238E27FC236}">
-                <a16:creationId xmlns:a16="http://schemas.microsoft.com/office/drawing/2014/main" id="{BD39BF16-3409-4234-9B8E-2EEA3EC69677}"/>
-              </a:ext>
-            </a:extLst>
-          </p:cNvPr>
-          <p:cNvSpPr txBox="1"/>
-          <p:nvPr/>
-        </p:nvSpPr>
-        <p:spPr>
-          <a:xfrm>
-            <a:off x="1209192" y="2106928"/>
-            <a:ext cx="798617" cy="261610"/>
-          </a:xfrm>
-          <a:prstGeom prst="rect">
-            <a:avLst/>
-          </a:prstGeom>
-          <a:noFill/>
-        </p:spPr>
-        <p:txBody>
-          <a:bodyPr wrap="none" rtlCol="0">
-            <a:spAutoFit/>
-          </a:bodyPr>
-          <a:lstStyle/>
-          <a:p>
-            <a:pPr algn="r"/>
-            <a:r>
-              <a:rPr lang="ko-KR" altLang="en-US" sz="1050" dirty="0"/>
-              <a:t>소스 구성</a:t>
-            </a:r>
-          </a:p>
-        </p:txBody>
-      </p:sp>
-      <p:pic>
-        <p:nvPicPr>
-          <p:cNvPr id="15" name="그림 14">
-            <a:extLst>
-              <a:ext uri="{FF2B5EF4-FFF2-40B4-BE49-F238E27FC236}">
-                <a16:creationId xmlns:a16="http://schemas.microsoft.com/office/drawing/2014/main" id="{660B1AF7-063E-4D9D-BCB0-AC1DAC9A2403}"/>
-              </a:ext>
-            </a:extLst>
-          </p:cNvPr>
-          <p:cNvPicPr>
-            <a:picLocks noChangeAspect="1"/>
-          </p:cNvPicPr>
-          <p:nvPr/>
-        </p:nvPicPr>
-        <p:blipFill>
-          <a:blip r:embed="rId3"/>
-          <a:stretch>
-            <a:fillRect/>
-          </a:stretch>
-        </p:blipFill>
-        <p:spPr>
-          <a:xfrm>
-            <a:off x="2151611" y="2106929"/>
-            <a:ext cx="2726587" cy="1973022"/>
-          </a:xfrm>
-          <a:prstGeom prst="rect">
-            <a:avLst/>
-          </a:prstGeom>
-          <a:ln>
-            <a:solidFill>
-              <a:schemeClr val="tx1"/>
-            </a:solidFill>
-          </a:ln>
-        </p:spPr>
-      </p:pic>
-      <p:sp>
-        <p:nvSpPr>
-          <p:cNvPr id="18" name="TextBox 17">
-            <a:extLst>
-              <a:ext uri="{FF2B5EF4-FFF2-40B4-BE49-F238E27FC236}">
-                <a16:creationId xmlns:a16="http://schemas.microsoft.com/office/drawing/2014/main" id="{56D2FBBB-ED94-413D-8096-9CB24D9AE713}"/>
-              </a:ext>
-            </a:extLst>
-          </p:cNvPr>
-          <p:cNvSpPr txBox="1"/>
-          <p:nvPr/>
-        </p:nvSpPr>
-        <p:spPr>
-          <a:xfrm>
-            <a:off x="3972181" y="3818341"/>
-            <a:ext cx="906017" cy="253916"/>
-          </a:xfrm>
-          <a:prstGeom prst="rect">
-            <a:avLst/>
-          </a:prstGeom>
-          <a:noFill/>
-        </p:spPr>
-        <p:txBody>
-          <a:bodyPr wrap="none" rtlCol="0">
-            <a:spAutoFit/>
-          </a:bodyPr>
-          <a:lstStyle/>
-          <a:p>
-            <a:pPr algn="r"/>
-            <a:r>
-              <a:rPr lang="ko-KR" altLang="en-US" sz="1050" dirty="0"/>
-              <a:t>로그인 화면</a:t>
-            </a:r>
-          </a:p>
-        </p:txBody>
-      </p:sp>
-      <p:pic>
-        <p:nvPicPr>
-          <p:cNvPr id="20" name="그림 19">
-            <a:extLst>
-              <a:ext uri="{FF2B5EF4-FFF2-40B4-BE49-F238E27FC236}">
-                <a16:creationId xmlns:a16="http://schemas.microsoft.com/office/drawing/2014/main" id="{A00E5B60-6037-43E4-A453-6A1A774E0BAF}"/>
-              </a:ext>
-            </a:extLst>
-          </p:cNvPr>
-          <p:cNvPicPr>
-            <a:picLocks noChangeAspect="1"/>
-          </p:cNvPicPr>
-          <p:nvPr/>
-        </p:nvPicPr>
-        <p:blipFill>
-          <a:blip r:embed="rId4"/>
-          <a:stretch>
-            <a:fillRect/>
-          </a:stretch>
-        </p:blipFill>
-        <p:spPr>
-          <a:xfrm>
-            <a:off x="5022000" y="2106928"/>
-            <a:ext cx="2715956" cy="1965329"/>
-          </a:xfrm>
-          <a:prstGeom prst="rect">
-            <a:avLst/>
-          </a:prstGeom>
-          <a:ln>
-            <a:solidFill>
-              <a:schemeClr val="tx1"/>
-            </a:solidFill>
-          </a:ln>
-        </p:spPr>
-      </p:pic>
-      <p:sp>
-        <p:nvSpPr>
-          <p:cNvPr id="22" name="TextBox 21">
-            <a:extLst>
-              <a:ext uri="{FF2B5EF4-FFF2-40B4-BE49-F238E27FC236}">
-                <a16:creationId xmlns:a16="http://schemas.microsoft.com/office/drawing/2014/main" id="{9F1264F5-9ACE-46E5-A4C3-D4A363B23331}"/>
-              </a:ext>
-            </a:extLst>
-          </p:cNvPr>
-          <p:cNvSpPr txBox="1"/>
-          <p:nvPr/>
-        </p:nvSpPr>
-        <p:spPr>
-          <a:xfrm>
-            <a:off x="6440805" y="3812781"/>
-            <a:ext cx="1297151" cy="253916"/>
-          </a:xfrm>
-          <a:prstGeom prst="rect">
-            <a:avLst/>
-          </a:prstGeom>
-          <a:noFill/>
-        </p:spPr>
-        <p:txBody>
-          <a:bodyPr wrap="none" rtlCol="0">
-            <a:spAutoFit/>
-          </a:bodyPr>
-          <a:lstStyle/>
-          <a:p>
-            <a:pPr algn="r"/>
-            <a:r>
-              <a:rPr lang="ko-KR" altLang="en-US" sz="1050" dirty="0"/>
-              <a:t>템플릿 샘플 화면</a:t>
-            </a:r>
-            <a:r>
-              <a:rPr lang="en-US" altLang="ko-KR" sz="1050" dirty="0"/>
-              <a:t>1</a:t>
-            </a:r>
-            <a:endParaRPr lang="ko-KR" altLang="en-US" sz="1050" dirty="0"/>
-          </a:p>
-        </p:txBody>
-      </p:sp>
-      <p:pic>
-        <p:nvPicPr>
-          <p:cNvPr id="24" name="그림 23">
-            <a:extLst>
-              <a:ext uri="{FF2B5EF4-FFF2-40B4-BE49-F238E27FC236}">
-                <a16:creationId xmlns:a16="http://schemas.microsoft.com/office/drawing/2014/main" id="{08A4AC58-9462-4B80-93E2-011D0CF33C30}"/>
-              </a:ext>
-            </a:extLst>
-          </p:cNvPr>
-          <p:cNvPicPr>
-            <a:picLocks noChangeAspect="1"/>
-          </p:cNvPicPr>
-          <p:nvPr/>
-        </p:nvPicPr>
-        <p:blipFill>
-          <a:blip r:embed="rId5"/>
-          <a:stretch>
-            <a:fillRect/>
-          </a:stretch>
-        </p:blipFill>
-        <p:spPr>
-          <a:xfrm>
-            <a:off x="2160768" y="4206238"/>
-            <a:ext cx="2708272" cy="1959769"/>
-          </a:xfrm>
-          <a:prstGeom prst="rect">
-            <a:avLst/>
-          </a:prstGeom>
-          <a:ln>
-            <a:solidFill>
-              <a:schemeClr val="tx1"/>
-            </a:solidFill>
-          </a:ln>
-        </p:spPr>
-      </p:pic>
-      <p:sp>
-        <p:nvSpPr>
-          <p:cNvPr id="26" name="TextBox 25">
-            <a:extLst>
-              <a:ext uri="{FF2B5EF4-FFF2-40B4-BE49-F238E27FC236}">
-                <a16:creationId xmlns:a16="http://schemas.microsoft.com/office/drawing/2014/main" id="{4A51CCA9-457C-496A-820B-07217A446E36}"/>
-              </a:ext>
-            </a:extLst>
-          </p:cNvPr>
-          <p:cNvSpPr txBox="1"/>
-          <p:nvPr/>
-        </p:nvSpPr>
-        <p:spPr>
-          <a:xfrm>
-            <a:off x="3581047" y="5912091"/>
-            <a:ext cx="1297151" cy="253916"/>
-          </a:xfrm>
-          <a:prstGeom prst="rect">
-            <a:avLst/>
-          </a:prstGeom>
-          <a:noFill/>
-        </p:spPr>
-        <p:txBody>
-          <a:bodyPr wrap="none" rtlCol="0">
-            <a:spAutoFit/>
-          </a:bodyPr>
-          <a:lstStyle/>
-          <a:p>
-            <a:pPr algn="r"/>
-            <a:r>
-              <a:rPr lang="ko-KR" altLang="en-US" sz="1050" dirty="0"/>
-              <a:t>템플릿 샘플 화면</a:t>
-            </a:r>
-            <a:r>
-              <a:rPr lang="en-US" altLang="ko-KR" sz="1050" dirty="0"/>
-              <a:t>2</a:t>
-            </a:r>
-            <a:endParaRPr lang="ko-KR" altLang="en-US" sz="1050" dirty="0"/>
-          </a:p>
-        </p:txBody>
-      </p:sp>
       <p:grpSp>
         <p:nvGrpSpPr>
-          <p:cNvPr id="33" name="그룹 32">
-            <a:extLst>
-              <a:ext uri="{FF2B5EF4-FFF2-40B4-BE49-F238E27FC236}">
-                <a16:creationId xmlns:a16="http://schemas.microsoft.com/office/drawing/2014/main" id="{24C87E4C-8F05-4B53-BFF5-D769F8E14B8B}"/>
+          <p:cNvPr id="13" name="그룹 12">
+            <a:extLst>
+              <a:ext uri="{FF2B5EF4-FFF2-40B4-BE49-F238E27FC236}">
+                <a16:creationId xmlns:a16="http://schemas.microsoft.com/office/drawing/2014/main" id="{1F4DDF01-1DEF-4F37-90D9-4DB325DB62EB}"/>
               </a:ext>
             </a:extLst>
           </p:cNvPr>
@@ -8124,7 +7938,384 @@
         </p:nvGrpSpPr>
         <p:grpSpPr>
           <a:xfrm>
-            <a:off x="8488315" y="2104908"/>
+            <a:off x="149270" y="2087848"/>
+            <a:ext cx="1449600" cy="4577533"/>
+            <a:chOff x="558209" y="2106928"/>
+            <a:chExt cx="1449600" cy="4577533"/>
+          </a:xfrm>
+        </p:grpSpPr>
+        <p:pic>
+          <p:nvPicPr>
+            <p:cNvPr id="8" name="그림 7">
+              <a:extLst>
+                <a:ext uri="{FF2B5EF4-FFF2-40B4-BE49-F238E27FC236}">
+                  <a16:creationId xmlns:a16="http://schemas.microsoft.com/office/drawing/2014/main" id="{E68047F2-C28B-498C-8AB8-CFE3DA95A98D}"/>
+                </a:ext>
+              </a:extLst>
+            </p:cNvPr>
+            <p:cNvPicPr>
+              <a:picLocks noChangeAspect="1"/>
+            </p:cNvPicPr>
+            <p:nvPr/>
+          </p:nvPicPr>
+          <p:blipFill rotWithShape="1">
+            <a:blip r:embed="rId2"/>
+            <a:srcRect t="4410" r="86941" b="22341"/>
+            <a:stretch/>
+          </p:blipFill>
+          <p:spPr>
+            <a:xfrm>
+              <a:off x="558209" y="2110739"/>
+              <a:ext cx="1449600" cy="4573722"/>
+            </a:xfrm>
+            <a:prstGeom prst="rect">
+              <a:avLst/>
+            </a:prstGeom>
+            <a:ln>
+              <a:solidFill>
+                <a:schemeClr val="tx1"/>
+              </a:solidFill>
+            </a:ln>
+          </p:spPr>
+        </p:pic>
+        <p:sp>
+          <p:nvSpPr>
+            <p:cNvPr id="9" name="TextBox 8">
+              <a:extLst>
+                <a:ext uri="{FF2B5EF4-FFF2-40B4-BE49-F238E27FC236}">
+                  <a16:creationId xmlns:a16="http://schemas.microsoft.com/office/drawing/2014/main" id="{BD39BF16-3409-4234-9B8E-2EEA3EC69677}"/>
+                </a:ext>
+              </a:extLst>
+            </p:cNvPr>
+            <p:cNvSpPr txBox="1"/>
+            <p:nvPr/>
+          </p:nvSpPr>
+          <p:spPr>
+            <a:xfrm>
+              <a:off x="1209192" y="2106928"/>
+              <a:ext cx="798617" cy="261610"/>
+            </a:xfrm>
+            <a:prstGeom prst="rect">
+              <a:avLst/>
+            </a:prstGeom>
+            <a:noFill/>
+          </p:spPr>
+          <p:txBody>
+            <a:bodyPr wrap="none" rtlCol="0">
+              <a:spAutoFit/>
+            </a:bodyPr>
+            <a:lstStyle/>
+            <a:p>
+              <a:pPr algn="r"/>
+              <a:r>
+                <a:rPr lang="ko-KR" altLang="en-US" sz="1050" dirty="0"/>
+                <a:t>소스 구성</a:t>
+              </a:r>
+            </a:p>
+          </p:txBody>
+        </p:sp>
+      </p:grpSp>
+      <p:grpSp>
+        <p:nvGrpSpPr>
+          <p:cNvPr id="7" name="그룹 6">
+            <a:extLst>
+              <a:ext uri="{FF2B5EF4-FFF2-40B4-BE49-F238E27FC236}">
+                <a16:creationId xmlns:a16="http://schemas.microsoft.com/office/drawing/2014/main" id="{EF0D743C-98C8-412C-AA32-044A0EA0E341}"/>
+              </a:ext>
+            </a:extLst>
+          </p:cNvPr>
+          <p:cNvGrpSpPr/>
+          <p:nvPr/>
+        </p:nvGrpSpPr>
+        <p:grpSpPr>
+          <a:xfrm>
+            <a:off x="1742672" y="2087849"/>
+            <a:ext cx="2726587" cy="1973022"/>
+            <a:chOff x="2151611" y="2106929"/>
+            <a:chExt cx="2726587" cy="1973022"/>
+          </a:xfrm>
+        </p:grpSpPr>
+        <p:pic>
+          <p:nvPicPr>
+            <p:cNvPr id="15" name="그림 14">
+              <a:extLst>
+                <a:ext uri="{FF2B5EF4-FFF2-40B4-BE49-F238E27FC236}">
+                  <a16:creationId xmlns:a16="http://schemas.microsoft.com/office/drawing/2014/main" id="{660B1AF7-063E-4D9D-BCB0-AC1DAC9A2403}"/>
+                </a:ext>
+              </a:extLst>
+            </p:cNvPr>
+            <p:cNvPicPr>
+              <a:picLocks noChangeAspect="1"/>
+            </p:cNvPicPr>
+            <p:nvPr/>
+          </p:nvPicPr>
+          <p:blipFill>
+            <a:blip r:embed="rId3"/>
+            <a:stretch>
+              <a:fillRect/>
+            </a:stretch>
+          </p:blipFill>
+          <p:spPr>
+            <a:xfrm>
+              <a:off x="2151611" y="2106929"/>
+              <a:ext cx="2726587" cy="1973022"/>
+            </a:xfrm>
+            <a:prstGeom prst="rect">
+              <a:avLst/>
+            </a:prstGeom>
+            <a:ln>
+              <a:solidFill>
+                <a:schemeClr val="tx1"/>
+              </a:solidFill>
+            </a:ln>
+          </p:spPr>
+        </p:pic>
+        <p:sp>
+          <p:nvSpPr>
+            <p:cNvPr id="18" name="TextBox 17">
+              <a:extLst>
+                <a:ext uri="{FF2B5EF4-FFF2-40B4-BE49-F238E27FC236}">
+                  <a16:creationId xmlns:a16="http://schemas.microsoft.com/office/drawing/2014/main" id="{56D2FBBB-ED94-413D-8096-9CB24D9AE713}"/>
+                </a:ext>
+              </a:extLst>
+            </p:cNvPr>
+            <p:cNvSpPr txBox="1"/>
+            <p:nvPr/>
+          </p:nvSpPr>
+          <p:spPr>
+            <a:xfrm>
+              <a:off x="3972181" y="3818341"/>
+              <a:ext cx="906017" cy="253916"/>
+            </a:xfrm>
+            <a:prstGeom prst="rect">
+              <a:avLst/>
+            </a:prstGeom>
+            <a:noFill/>
+          </p:spPr>
+          <p:txBody>
+            <a:bodyPr wrap="none" rtlCol="0">
+              <a:spAutoFit/>
+            </a:bodyPr>
+            <a:lstStyle/>
+            <a:p>
+              <a:pPr algn="r"/>
+              <a:r>
+                <a:rPr lang="ko-KR" altLang="en-US" sz="1050" dirty="0"/>
+                <a:t>로그인 화면</a:t>
+              </a:r>
+            </a:p>
+          </p:txBody>
+        </p:sp>
+      </p:grpSp>
+      <p:grpSp>
+        <p:nvGrpSpPr>
+          <p:cNvPr id="11" name="그룹 10">
+            <a:extLst>
+              <a:ext uri="{FF2B5EF4-FFF2-40B4-BE49-F238E27FC236}">
+                <a16:creationId xmlns:a16="http://schemas.microsoft.com/office/drawing/2014/main" id="{D004748F-09C5-44AD-A13B-B4109EE39B74}"/>
+              </a:ext>
+            </a:extLst>
+          </p:cNvPr>
+          <p:cNvGrpSpPr/>
+          <p:nvPr/>
+        </p:nvGrpSpPr>
+        <p:grpSpPr>
+          <a:xfrm>
+            <a:off x="4613061" y="2087848"/>
+            <a:ext cx="2715956" cy="1965329"/>
+            <a:chOff x="5022000" y="2106928"/>
+            <a:chExt cx="2715956" cy="1965329"/>
+          </a:xfrm>
+        </p:grpSpPr>
+        <p:pic>
+          <p:nvPicPr>
+            <p:cNvPr id="20" name="그림 19">
+              <a:extLst>
+                <a:ext uri="{FF2B5EF4-FFF2-40B4-BE49-F238E27FC236}">
+                  <a16:creationId xmlns:a16="http://schemas.microsoft.com/office/drawing/2014/main" id="{A00E5B60-6037-43E4-A453-6A1A774E0BAF}"/>
+                </a:ext>
+              </a:extLst>
+            </p:cNvPr>
+            <p:cNvPicPr>
+              <a:picLocks noChangeAspect="1"/>
+            </p:cNvPicPr>
+            <p:nvPr/>
+          </p:nvPicPr>
+          <p:blipFill>
+            <a:blip r:embed="rId4"/>
+            <a:stretch>
+              <a:fillRect/>
+            </a:stretch>
+          </p:blipFill>
+          <p:spPr>
+            <a:xfrm>
+              <a:off x="5022000" y="2106928"/>
+              <a:ext cx="2715956" cy="1965329"/>
+            </a:xfrm>
+            <a:prstGeom prst="rect">
+              <a:avLst/>
+            </a:prstGeom>
+            <a:ln>
+              <a:solidFill>
+                <a:schemeClr val="tx1"/>
+              </a:solidFill>
+            </a:ln>
+          </p:spPr>
+        </p:pic>
+        <p:sp>
+          <p:nvSpPr>
+            <p:cNvPr id="22" name="TextBox 21">
+              <a:extLst>
+                <a:ext uri="{FF2B5EF4-FFF2-40B4-BE49-F238E27FC236}">
+                  <a16:creationId xmlns:a16="http://schemas.microsoft.com/office/drawing/2014/main" id="{9F1264F5-9ACE-46E5-A4C3-D4A363B23331}"/>
+                </a:ext>
+              </a:extLst>
+            </p:cNvPr>
+            <p:cNvSpPr txBox="1"/>
+            <p:nvPr/>
+          </p:nvSpPr>
+          <p:spPr>
+            <a:xfrm>
+              <a:off x="6440805" y="3812781"/>
+              <a:ext cx="1297151" cy="253916"/>
+            </a:xfrm>
+            <a:prstGeom prst="rect">
+              <a:avLst/>
+            </a:prstGeom>
+            <a:noFill/>
+          </p:spPr>
+          <p:txBody>
+            <a:bodyPr wrap="none" rtlCol="0">
+              <a:spAutoFit/>
+            </a:bodyPr>
+            <a:lstStyle/>
+            <a:p>
+              <a:pPr algn="r"/>
+              <a:r>
+                <a:rPr lang="ko-KR" altLang="en-US" sz="1050" dirty="0"/>
+                <a:t>템플릿 샘플 화면</a:t>
+              </a:r>
+              <a:r>
+                <a:rPr lang="en-US" altLang="ko-KR" sz="1050" dirty="0"/>
+                <a:t>1</a:t>
+              </a:r>
+              <a:endParaRPr lang="ko-KR" altLang="en-US" sz="1050" dirty="0"/>
+            </a:p>
+          </p:txBody>
+        </p:sp>
+      </p:grpSp>
+      <p:grpSp>
+        <p:nvGrpSpPr>
+          <p:cNvPr id="17" name="그룹 16">
+            <a:extLst>
+              <a:ext uri="{FF2B5EF4-FFF2-40B4-BE49-F238E27FC236}">
+                <a16:creationId xmlns:a16="http://schemas.microsoft.com/office/drawing/2014/main" id="{93E6FB2A-9CA0-4144-B3E0-9A716B64952C}"/>
+              </a:ext>
+            </a:extLst>
+          </p:cNvPr>
+          <p:cNvGrpSpPr/>
+          <p:nvPr/>
+        </p:nvGrpSpPr>
+        <p:grpSpPr>
+          <a:xfrm>
+            <a:off x="8041320" y="4739295"/>
+            <a:ext cx="2717430" cy="1959769"/>
+            <a:chOff x="2160768" y="4206238"/>
+            <a:chExt cx="2717430" cy="1959769"/>
+          </a:xfrm>
+        </p:grpSpPr>
+        <p:pic>
+          <p:nvPicPr>
+            <p:cNvPr id="24" name="그림 23">
+              <a:extLst>
+                <a:ext uri="{FF2B5EF4-FFF2-40B4-BE49-F238E27FC236}">
+                  <a16:creationId xmlns:a16="http://schemas.microsoft.com/office/drawing/2014/main" id="{08A4AC58-9462-4B80-93E2-011D0CF33C30}"/>
+                </a:ext>
+              </a:extLst>
+            </p:cNvPr>
+            <p:cNvPicPr>
+              <a:picLocks noChangeAspect="1"/>
+            </p:cNvPicPr>
+            <p:nvPr/>
+          </p:nvPicPr>
+          <p:blipFill>
+            <a:blip r:embed="rId5"/>
+            <a:stretch>
+              <a:fillRect/>
+            </a:stretch>
+          </p:blipFill>
+          <p:spPr>
+            <a:xfrm>
+              <a:off x="2160768" y="4206238"/>
+              <a:ext cx="2708272" cy="1959769"/>
+            </a:xfrm>
+            <a:prstGeom prst="rect">
+              <a:avLst/>
+            </a:prstGeom>
+            <a:ln>
+              <a:solidFill>
+                <a:schemeClr val="tx1"/>
+              </a:solidFill>
+            </a:ln>
+          </p:spPr>
+        </p:pic>
+        <p:sp>
+          <p:nvSpPr>
+            <p:cNvPr id="26" name="TextBox 25">
+              <a:extLst>
+                <a:ext uri="{FF2B5EF4-FFF2-40B4-BE49-F238E27FC236}">
+                  <a16:creationId xmlns:a16="http://schemas.microsoft.com/office/drawing/2014/main" id="{4A51CCA9-457C-496A-820B-07217A446E36}"/>
+                </a:ext>
+              </a:extLst>
+            </p:cNvPr>
+            <p:cNvSpPr txBox="1"/>
+            <p:nvPr/>
+          </p:nvSpPr>
+          <p:spPr>
+            <a:xfrm>
+              <a:off x="3581047" y="5912091"/>
+              <a:ext cx="1297151" cy="253916"/>
+            </a:xfrm>
+            <a:prstGeom prst="rect">
+              <a:avLst/>
+            </a:prstGeom>
+            <a:noFill/>
+          </p:spPr>
+          <p:txBody>
+            <a:bodyPr wrap="none" rtlCol="0">
+              <a:spAutoFit/>
+            </a:bodyPr>
+            <a:lstStyle/>
+            <a:p>
+              <a:pPr algn="r"/>
+              <a:r>
+                <a:rPr lang="ko-KR" altLang="en-US" sz="1050" dirty="0"/>
+                <a:t>템플릿 샘플 화면</a:t>
+              </a:r>
+              <a:r>
+                <a:rPr lang="en-US" altLang="ko-KR" sz="1050" dirty="0"/>
+                <a:t>2</a:t>
+              </a:r>
+              <a:endParaRPr lang="ko-KR" altLang="en-US" sz="1050" dirty="0"/>
+            </a:p>
+          </p:txBody>
+        </p:sp>
+      </p:grpSp>
+      <p:grpSp>
+        <p:nvGrpSpPr>
+          <p:cNvPr id="33" name="그룹 32">
+            <a:extLst>
+              <a:ext uri="{FF2B5EF4-FFF2-40B4-BE49-F238E27FC236}">
+                <a16:creationId xmlns:a16="http://schemas.microsoft.com/office/drawing/2014/main" id="{24C87E4C-8F05-4B53-BFF5-D769F8E14B8B}"/>
+              </a:ext>
+            </a:extLst>
+          </p:cNvPr>
+          <p:cNvGrpSpPr/>
+          <p:nvPr/>
+        </p:nvGrpSpPr>
+        <p:grpSpPr>
+          <a:xfrm>
+            <a:off x="10855280" y="2088743"/>
             <a:ext cx="856831" cy="4579553"/>
             <a:chOff x="8728345" y="2104908"/>
             <a:chExt cx="856831" cy="4579553"/>
@@ -8215,7 +8406,7 @@
         </p:nvGrpSpPr>
         <p:grpSpPr>
           <a:xfrm>
-            <a:off x="5009299" y="4206238"/>
+            <a:off x="7429151" y="2087848"/>
             <a:ext cx="3329599" cy="2584193"/>
             <a:chOff x="5021999" y="4206238"/>
             <a:chExt cx="3329599" cy="2584193"/>
@@ -8311,6 +8502,109 @@
                 <a:t>X)</a:t>
               </a:r>
               <a:endParaRPr lang="ko-KR" altLang="en-US" dirty="0"/>
+            </a:p>
+          </p:txBody>
+        </p:sp>
+      </p:grpSp>
+      <p:grpSp>
+        <p:nvGrpSpPr>
+          <p:cNvPr id="21" name="그룹 20">
+            <a:extLst>
+              <a:ext uri="{FF2B5EF4-FFF2-40B4-BE49-F238E27FC236}">
+                <a16:creationId xmlns:a16="http://schemas.microsoft.com/office/drawing/2014/main" id="{8E2FD515-8F81-4554-B219-AD10D1B7FCC9}"/>
+              </a:ext>
+            </a:extLst>
+          </p:cNvPr>
+          <p:cNvGrpSpPr/>
+          <p:nvPr/>
+        </p:nvGrpSpPr>
+        <p:grpSpPr>
+          <a:xfrm>
+            <a:off x="1742672" y="4170151"/>
+            <a:ext cx="4852268" cy="2104487"/>
+            <a:chOff x="1742672" y="4170151"/>
+            <a:chExt cx="4852268" cy="2104487"/>
+          </a:xfrm>
+        </p:grpSpPr>
+        <p:pic>
+          <p:nvPicPr>
+            <p:cNvPr id="6" name="그림 5">
+              <a:extLst>
+                <a:ext uri="{FF2B5EF4-FFF2-40B4-BE49-F238E27FC236}">
+                  <a16:creationId xmlns:a16="http://schemas.microsoft.com/office/drawing/2014/main" id="{7F08ADD5-95A5-43F3-9E59-536DAADEB55F}"/>
+                </a:ext>
+              </a:extLst>
+            </p:cNvPr>
+            <p:cNvPicPr>
+              <a:picLocks noChangeAspect="1"/>
+            </p:cNvPicPr>
+            <p:nvPr/>
+          </p:nvPicPr>
+          <p:blipFill rotWithShape="1">
+            <a:blip r:embed="rId8"/>
+            <a:srcRect t="3427" r="47674" b="55113"/>
+            <a:stretch/>
+          </p:blipFill>
+          <p:spPr>
+            <a:xfrm>
+              <a:off x="1742672" y="4170151"/>
+              <a:ext cx="4810939" cy="2104487"/>
+            </a:xfrm>
+            <a:prstGeom prst="rect">
+              <a:avLst/>
+            </a:prstGeom>
+            <a:ln>
+              <a:solidFill>
+                <a:schemeClr val="tx1"/>
+              </a:solidFill>
+            </a:ln>
+          </p:spPr>
+        </p:pic>
+        <p:sp>
+          <p:nvSpPr>
+            <p:cNvPr id="19" name="TextBox 18">
+              <a:extLst>
+                <a:ext uri="{FF2B5EF4-FFF2-40B4-BE49-F238E27FC236}">
+                  <a16:creationId xmlns:a16="http://schemas.microsoft.com/office/drawing/2014/main" id="{D3D1084F-33C8-495C-AEF6-8BE1063F8E57}"/>
+                </a:ext>
+              </a:extLst>
+            </p:cNvPr>
+            <p:cNvSpPr txBox="1"/>
+            <p:nvPr/>
+          </p:nvSpPr>
+          <p:spPr>
+            <a:xfrm>
+              <a:off x="5846016" y="4171546"/>
+              <a:ext cx="748924" cy="253916"/>
+            </a:xfrm>
+            <a:prstGeom prst="rect">
+              <a:avLst/>
+            </a:prstGeom>
+            <a:noFill/>
+          </p:spPr>
+          <p:txBody>
+            <a:bodyPr wrap="none" rtlCol="0">
+              <a:spAutoFit/>
+            </a:bodyPr>
+            <a:lstStyle/>
+            <a:p>
+              <a:pPr algn="r"/>
+              <a:r>
+                <a:rPr lang="en-US" altLang="ko-KR" sz="1050" dirty="0">
+                  <a:solidFill>
+                    <a:schemeClr val="bg1"/>
+                  </a:solidFill>
+                </a:rPr>
+                <a:t>ERD </a:t>
+              </a:r>
+              <a:r>
+                <a:rPr lang="ko-KR" altLang="en-US" sz="1050" dirty="0">
+                  <a:solidFill>
+                    <a:schemeClr val="bg1"/>
+                  </a:solidFill>
+                </a:rPr>
+                <a:t>구성</a:t>
+              </a:r>
             </a:p>
           </p:txBody>
         </p:sp>
